--- a/slides/Lecture17-03-27-25-RandomNumbers.pptx
+++ b/slides/Lecture17-03-27-25-RandomNumbers.pptx
@@ -295,7 +295,7 @@
           <a:p>
             <a:fld id="{961AF02B-09B0-4980-983D-27C0EDB561B5}" type="datetimeFigureOut">
               <a:rPr lang="uk-UA" smtClean="0"/>
-              <a:t>31.03.25</a:t>
+              <a:t>03.04.25</a:t>
             </a:fld>
             <a:endParaRPr lang="uk-UA"/>
           </a:p>
@@ -7381,7 +7381,13 @@
               <a:rPr lang="en-US" dirty="0">
                 <a:hlinkClick r:id="rId5"/>
               </a:rPr>
-              <a:t>https://github.com/vlvovch/PHYS6350-ComputationalPhysics</a:t>
+              <a:t>https://github.com/vlvovch</a:t>
+            </a:r>
+            <a:r>
+              <a:rPr lang="en-US">
+                <a:hlinkClick r:id="rId5"/>
+              </a:rPr>
+              <a:t>/PHYS6350-ComputationalPhysics/tree/spring2025</a:t>
             </a:r>
             <a:endParaRPr lang="en-US" dirty="0"/>
           </a:p>
